--- a/사진만들기용.pptx
+++ b/사진만들기용.pptx
@@ -6068,6 +6068,136 @@
           <a:chExt cx="0" cy="0"/>
         </a:xfrm>
       </p:grpSpPr>
+      <p:grpSp>
+        <p:nvGrpSpPr>
+          <p:cNvPr id="5" name="그룹 4">
+            <a:extLst>
+              <a:ext uri="{FF2B5EF4-FFF2-40B4-BE49-F238E27FC236}">
+                <a16:creationId xmlns:a16="http://schemas.microsoft.com/office/drawing/2014/main" id="{70D2FC17-0953-44F4-ADF0-A078177A9ED6}"/>
+              </a:ext>
+            </a:extLst>
+          </p:cNvPr>
+          <p:cNvGrpSpPr/>
+          <p:nvPr/>
+        </p:nvGrpSpPr>
+        <p:grpSpPr>
+          <a:xfrm rot="18944437">
+            <a:off x="1407885" y="2133600"/>
+            <a:ext cx="1596572" cy="2743199"/>
+            <a:chOff x="1407885" y="2133600"/>
+            <a:chExt cx="1596572" cy="2743199"/>
+          </a:xfrm>
+          <a:noFill/>
+        </p:grpSpPr>
+        <p:sp>
+          <p:nvSpPr>
+            <p:cNvPr id="2" name="타원 1">
+              <a:extLst>
+                <a:ext uri="{FF2B5EF4-FFF2-40B4-BE49-F238E27FC236}">
+                  <a16:creationId xmlns:a16="http://schemas.microsoft.com/office/drawing/2014/main" id="{50616981-B76D-4DA9-97FC-B553A05FFE8A}"/>
+                </a:ext>
+              </a:extLst>
+            </p:cNvPr>
+            <p:cNvSpPr/>
+            <p:nvPr/>
+          </p:nvSpPr>
+          <p:spPr>
+            <a:xfrm>
+              <a:off x="1407885" y="2133600"/>
+              <a:ext cx="1596572" cy="1596572"/>
+            </a:xfrm>
+            <a:prstGeom prst="ellipse">
+              <a:avLst/>
+            </a:prstGeom>
+            <a:grpFill/>
+            <a:ln w="254000">
+              <a:solidFill>
+                <a:srgbClr val="F60018"/>
+              </a:solidFill>
+            </a:ln>
+          </p:spPr>
+          <p:style>
+            <a:lnRef idx="2">
+              <a:schemeClr val="accent1">
+                <a:shade val="50000"/>
+              </a:schemeClr>
+            </a:lnRef>
+            <a:fillRef idx="1">
+              <a:schemeClr val="accent1"/>
+            </a:fillRef>
+            <a:effectRef idx="0">
+              <a:schemeClr val="accent1"/>
+            </a:effectRef>
+            <a:fontRef idx="minor">
+              <a:schemeClr val="lt1"/>
+            </a:fontRef>
+          </p:style>
+          <p:txBody>
+            <a:bodyPr rtlCol="0" anchor="ctr"/>
+            <a:lstStyle/>
+            <a:p>
+              <a:pPr algn="ctr"/>
+              <a:endParaRPr lang="ko-KR" altLang="en-US"/>
+            </a:p>
+          </p:txBody>
+        </p:sp>
+        <p:sp>
+          <p:nvSpPr>
+            <p:cNvPr id="4" name="사각형: 둥근 모서리 3">
+              <a:extLst>
+                <a:ext uri="{FF2B5EF4-FFF2-40B4-BE49-F238E27FC236}">
+                  <a16:creationId xmlns:a16="http://schemas.microsoft.com/office/drawing/2014/main" id="{822FDD19-6F8A-4118-BC12-CB6605A1C378}"/>
+                </a:ext>
+              </a:extLst>
+            </p:cNvPr>
+            <p:cNvSpPr/>
+            <p:nvPr/>
+          </p:nvSpPr>
+          <p:spPr>
+            <a:xfrm>
+              <a:off x="1994807" y="3646710"/>
+              <a:ext cx="422729" cy="1230089"/>
+            </a:xfrm>
+            <a:prstGeom prst="roundRect">
+              <a:avLst>
+                <a:gd name="adj" fmla="val 50000"/>
+              </a:avLst>
+            </a:prstGeom>
+            <a:solidFill>
+              <a:srgbClr val="F60018"/>
+            </a:solidFill>
+            <a:ln>
+              <a:solidFill>
+                <a:srgbClr val="F60018"/>
+              </a:solidFill>
+            </a:ln>
+          </p:spPr>
+          <p:style>
+            <a:lnRef idx="2">
+              <a:schemeClr val="accent1">
+                <a:shade val="50000"/>
+              </a:schemeClr>
+            </a:lnRef>
+            <a:fillRef idx="1">
+              <a:schemeClr val="accent1"/>
+            </a:fillRef>
+            <a:effectRef idx="0">
+              <a:schemeClr val="accent1"/>
+            </a:effectRef>
+            <a:fontRef idx="minor">
+              <a:schemeClr val="lt1"/>
+            </a:fontRef>
+          </p:style>
+          <p:txBody>
+            <a:bodyPr rtlCol="0" anchor="ctr"/>
+            <a:lstStyle/>
+            <a:p>
+              <a:pPr algn="ctr"/>
+              <a:endParaRPr lang="ko-KR" altLang="en-US" dirty="0"/>
+            </a:p>
+          </p:txBody>
+        </p:sp>
+      </p:grpSp>
     </p:spTree>
     <p:extLst>
       <p:ext uri="{BB962C8B-B14F-4D97-AF65-F5344CB8AC3E}">

--- a/사진만들기용.pptx
+++ b/사진만들기용.pptx
@@ -18,6 +18,7 @@
     <p:sldId id="268" r:id="rId12"/>
     <p:sldId id="270" r:id="rId13"/>
     <p:sldId id="269" r:id="rId14"/>
+    <p:sldId id="271" r:id="rId15"/>
   </p:sldIdLst>
   <p:sldSz cx="12192000" cy="6858000"/>
   <p:notesSz cx="6858000" cy="9144000"/>
@@ -6211,6 +6212,1216 @@
 </p:sld>
 </file>
 
+<file path=ppt/slides/slide14.xml><?xml version="1.0" encoding="utf-8"?>
+<p:sld xmlns:a="http://schemas.openxmlformats.org/drawingml/2006/main" xmlns:r="http://schemas.openxmlformats.org/officeDocument/2006/relationships" xmlns:p="http://schemas.openxmlformats.org/presentationml/2006/main">
+  <p:cSld>
+    <p:spTree>
+      <p:nvGrpSpPr>
+        <p:cNvPr id="1" name=""/>
+        <p:cNvGrpSpPr/>
+        <p:nvPr/>
+      </p:nvGrpSpPr>
+      <p:grpSpPr>
+        <a:xfrm>
+          <a:off x="0" y="0"/>
+          <a:ext cx="0" cy="0"/>
+          <a:chOff x="0" y="0"/>
+          <a:chExt cx="0" cy="0"/>
+        </a:xfrm>
+      </p:grpSpPr>
+      <p:sp>
+        <p:nvSpPr>
+          <p:cNvPr id="24" name="타원 23">
+            <a:extLst>
+              <a:ext uri="{FF2B5EF4-FFF2-40B4-BE49-F238E27FC236}">
+                <a16:creationId xmlns:a16="http://schemas.microsoft.com/office/drawing/2014/main" id="{866B76DD-61D7-4C0B-92F2-0090ADC286C0}"/>
+              </a:ext>
+            </a:extLst>
+          </p:cNvPr>
+          <p:cNvSpPr/>
+          <p:nvPr/>
+        </p:nvSpPr>
+        <p:spPr>
+          <a:xfrm>
+            <a:off x="1443258" y="4068439"/>
+            <a:ext cx="1216457" cy="1216457"/>
+          </a:xfrm>
+          <a:prstGeom prst="ellipse">
+            <a:avLst/>
+          </a:prstGeom>
+          <a:noFill/>
+          <a:ln w="76200">
+            <a:solidFill>
+              <a:schemeClr val="bg1"/>
+            </a:solidFill>
+          </a:ln>
+        </p:spPr>
+        <p:style>
+          <a:lnRef idx="2">
+            <a:schemeClr val="accent1">
+              <a:shade val="50000"/>
+            </a:schemeClr>
+          </a:lnRef>
+          <a:fillRef idx="1">
+            <a:schemeClr val="accent1"/>
+          </a:fillRef>
+          <a:effectRef idx="0">
+            <a:schemeClr val="accent1"/>
+          </a:effectRef>
+          <a:fontRef idx="minor">
+            <a:schemeClr val="lt1"/>
+          </a:fontRef>
+        </p:style>
+        <p:txBody>
+          <a:bodyPr rtlCol="0" anchor="ctr"/>
+          <a:lstStyle/>
+          <a:p>
+            <a:pPr algn="ctr"/>
+            <a:endParaRPr lang="ko-KR" altLang="en-US" dirty="0"/>
+          </a:p>
+        </p:txBody>
+      </p:sp>
+      <p:grpSp>
+        <p:nvGrpSpPr>
+          <p:cNvPr id="25" name="그룹 24">
+            <a:extLst>
+              <a:ext uri="{FF2B5EF4-FFF2-40B4-BE49-F238E27FC236}">
+                <a16:creationId xmlns:a16="http://schemas.microsoft.com/office/drawing/2014/main" id="{1AAAF8A8-7CAB-4AE3-9B09-29579DE9A578}"/>
+              </a:ext>
+            </a:extLst>
+          </p:cNvPr>
+          <p:cNvGrpSpPr/>
+          <p:nvPr/>
+        </p:nvGrpSpPr>
+        <p:grpSpPr>
+          <a:xfrm>
+            <a:off x="4546401" y="1032039"/>
+            <a:ext cx="1440000" cy="1440000"/>
+            <a:chOff x="417086" y="3042267"/>
+            <a:chExt cx="1440000" cy="1440000"/>
+          </a:xfrm>
+        </p:grpSpPr>
+        <p:sp>
+          <p:nvSpPr>
+            <p:cNvPr id="26" name="타원 25">
+              <a:extLst>
+                <a:ext uri="{FF2B5EF4-FFF2-40B4-BE49-F238E27FC236}">
+                  <a16:creationId xmlns:a16="http://schemas.microsoft.com/office/drawing/2014/main" id="{A4EBF04C-BA8E-477D-AA43-0FE53F754082}"/>
+                </a:ext>
+              </a:extLst>
+            </p:cNvPr>
+            <p:cNvSpPr/>
+            <p:nvPr/>
+          </p:nvSpPr>
+          <p:spPr>
+            <a:xfrm>
+              <a:off x="417086" y="3042267"/>
+              <a:ext cx="1440000" cy="1440000"/>
+            </a:xfrm>
+            <a:prstGeom prst="ellipse">
+              <a:avLst/>
+            </a:prstGeom>
+            <a:solidFill>
+              <a:srgbClr val="FF3333"/>
+            </a:solidFill>
+            <a:ln>
+              <a:noFill/>
+            </a:ln>
+          </p:spPr>
+          <p:style>
+            <a:lnRef idx="2">
+              <a:schemeClr val="accent1">
+                <a:shade val="50000"/>
+              </a:schemeClr>
+            </a:lnRef>
+            <a:fillRef idx="1">
+              <a:schemeClr val="accent1"/>
+            </a:fillRef>
+            <a:effectRef idx="0">
+              <a:schemeClr val="accent1"/>
+            </a:effectRef>
+            <a:fontRef idx="minor">
+              <a:schemeClr val="lt1"/>
+            </a:fontRef>
+          </p:style>
+          <p:txBody>
+            <a:bodyPr rtlCol="0" anchor="ctr"/>
+            <a:lstStyle/>
+            <a:p>
+              <a:pPr algn="ctr"/>
+              <a:r>
+                <a:rPr lang="en-US" altLang="ko-KR" sz="2800" dirty="0">
+                  <a:latin typeface="12롯데마트드림Bold" panose="02020603020101020101" pitchFamily="18" charset="-127"/>
+                  <a:ea typeface="12롯데마트드림Bold" panose="02020603020101020101" pitchFamily="18" charset="-127"/>
+                </a:rPr>
+                <a:t>DUR</a:t>
+              </a:r>
+            </a:p>
+            <a:p>
+              <a:pPr algn="ctr"/>
+              <a:r>
+                <a:rPr lang="ko-KR" altLang="en-US" dirty="0">
+                  <a:latin typeface="12롯데마트드림Bold" panose="02020603020101020101" pitchFamily="18" charset="-127"/>
+                  <a:ea typeface="12롯데마트드림Bold" panose="02020603020101020101" pitchFamily="18" charset="-127"/>
+                </a:rPr>
+                <a:t>병용</a:t>
+              </a:r>
+            </a:p>
+          </p:txBody>
+        </p:sp>
+        <p:sp>
+          <p:nvSpPr>
+            <p:cNvPr id="27" name="타원 26">
+              <a:extLst>
+                <a:ext uri="{FF2B5EF4-FFF2-40B4-BE49-F238E27FC236}">
+                  <a16:creationId xmlns:a16="http://schemas.microsoft.com/office/drawing/2014/main" id="{08B16215-8A23-437D-9949-830865A9033A}"/>
+                </a:ext>
+              </a:extLst>
+            </p:cNvPr>
+            <p:cNvSpPr/>
+            <p:nvPr/>
+          </p:nvSpPr>
+          <p:spPr>
+            <a:xfrm>
+              <a:off x="528858" y="3154039"/>
+              <a:ext cx="1216457" cy="1216457"/>
+            </a:xfrm>
+            <a:prstGeom prst="ellipse">
+              <a:avLst/>
+            </a:prstGeom>
+            <a:noFill/>
+            <a:ln w="76200">
+              <a:solidFill>
+                <a:schemeClr val="bg1"/>
+              </a:solidFill>
+            </a:ln>
+          </p:spPr>
+          <p:style>
+            <a:lnRef idx="2">
+              <a:schemeClr val="accent1">
+                <a:shade val="50000"/>
+              </a:schemeClr>
+            </a:lnRef>
+            <a:fillRef idx="1">
+              <a:schemeClr val="accent1"/>
+            </a:fillRef>
+            <a:effectRef idx="0">
+              <a:schemeClr val="accent1"/>
+            </a:effectRef>
+            <a:fontRef idx="minor">
+              <a:schemeClr val="lt1"/>
+            </a:fontRef>
+          </p:style>
+          <p:txBody>
+            <a:bodyPr rtlCol="0" anchor="ctr"/>
+            <a:lstStyle/>
+            <a:p>
+              <a:pPr algn="ctr"/>
+              <a:endParaRPr lang="ko-KR" altLang="en-US" dirty="0"/>
+            </a:p>
+          </p:txBody>
+        </p:sp>
+      </p:grpSp>
+      <p:grpSp>
+        <p:nvGrpSpPr>
+          <p:cNvPr id="28" name="그룹 27">
+            <a:extLst>
+              <a:ext uri="{FF2B5EF4-FFF2-40B4-BE49-F238E27FC236}">
+                <a16:creationId xmlns:a16="http://schemas.microsoft.com/office/drawing/2014/main" id="{9072BD08-215D-4A97-97F9-07AC82298760}"/>
+              </a:ext>
+            </a:extLst>
+          </p:cNvPr>
+          <p:cNvGrpSpPr/>
+          <p:nvPr/>
+        </p:nvGrpSpPr>
+        <p:grpSpPr>
+          <a:xfrm>
+            <a:off x="4546401" y="2953436"/>
+            <a:ext cx="1440000" cy="1440000"/>
+            <a:chOff x="417086" y="3042267"/>
+            <a:chExt cx="1440000" cy="1440000"/>
+          </a:xfrm>
+        </p:grpSpPr>
+        <p:sp>
+          <p:nvSpPr>
+            <p:cNvPr id="29" name="타원 28">
+              <a:extLst>
+                <a:ext uri="{FF2B5EF4-FFF2-40B4-BE49-F238E27FC236}">
+                  <a16:creationId xmlns:a16="http://schemas.microsoft.com/office/drawing/2014/main" id="{1DF75E04-218C-4E0F-94BC-A410B34E5075}"/>
+                </a:ext>
+              </a:extLst>
+            </p:cNvPr>
+            <p:cNvSpPr/>
+            <p:nvPr/>
+          </p:nvSpPr>
+          <p:spPr>
+            <a:xfrm>
+              <a:off x="417086" y="3042267"/>
+              <a:ext cx="1440000" cy="1440000"/>
+            </a:xfrm>
+            <a:prstGeom prst="ellipse">
+              <a:avLst/>
+            </a:prstGeom>
+            <a:solidFill>
+              <a:srgbClr val="FF3333"/>
+            </a:solidFill>
+            <a:ln>
+              <a:noFill/>
+            </a:ln>
+          </p:spPr>
+          <p:style>
+            <a:lnRef idx="2">
+              <a:schemeClr val="accent1">
+                <a:shade val="50000"/>
+              </a:schemeClr>
+            </a:lnRef>
+            <a:fillRef idx="1">
+              <a:schemeClr val="accent1"/>
+            </a:fillRef>
+            <a:effectRef idx="0">
+              <a:schemeClr val="accent1"/>
+            </a:effectRef>
+            <a:fontRef idx="minor">
+              <a:schemeClr val="lt1"/>
+            </a:fontRef>
+          </p:style>
+          <p:txBody>
+            <a:bodyPr rtlCol="0" anchor="ctr"/>
+            <a:lstStyle/>
+            <a:p>
+              <a:pPr algn="ctr"/>
+              <a:r>
+                <a:rPr lang="en-US" altLang="ko-KR" sz="2800" dirty="0">
+                  <a:latin typeface="12롯데마트드림Bold" panose="02020603020101020101" pitchFamily="18" charset="-127"/>
+                  <a:ea typeface="12롯데마트드림Bold" panose="02020603020101020101" pitchFamily="18" charset="-127"/>
+                </a:rPr>
+                <a:t>DUR</a:t>
+              </a:r>
+            </a:p>
+            <a:p>
+              <a:pPr algn="ctr"/>
+              <a:r>
+                <a:rPr lang="ko-KR" altLang="en-US" dirty="0">
+                  <a:latin typeface="12롯데마트드림Bold" panose="02020603020101020101" pitchFamily="18" charset="-127"/>
+                  <a:ea typeface="12롯데마트드림Bold" panose="02020603020101020101" pitchFamily="18" charset="-127"/>
+                </a:rPr>
+                <a:t>연령</a:t>
+              </a:r>
+            </a:p>
+          </p:txBody>
+        </p:sp>
+        <p:sp>
+          <p:nvSpPr>
+            <p:cNvPr id="30" name="타원 29">
+              <a:extLst>
+                <a:ext uri="{FF2B5EF4-FFF2-40B4-BE49-F238E27FC236}">
+                  <a16:creationId xmlns:a16="http://schemas.microsoft.com/office/drawing/2014/main" id="{CEF82E2A-81DC-4A1F-9AC2-59BB829E3655}"/>
+                </a:ext>
+              </a:extLst>
+            </p:cNvPr>
+            <p:cNvSpPr/>
+            <p:nvPr/>
+          </p:nvSpPr>
+          <p:spPr>
+            <a:xfrm>
+              <a:off x="528858" y="3154039"/>
+              <a:ext cx="1216457" cy="1216457"/>
+            </a:xfrm>
+            <a:prstGeom prst="ellipse">
+              <a:avLst/>
+            </a:prstGeom>
+            <a:noFill/>
+            <a:ln w="76200">
+              <a:solidFill>
+                <a:schemeClr val="bg1"/>
+              </a:solidFill>
+            </a:ln>
+          </p:spPr>
+          <p:style>
+            <a:lnRef idx="2">
+              <a:schemeClr val="accent1">
+                <a:shade val="50000"/>
+              </a:schemeClr>
+            </a:lnRef>
+            <a:fillRef idx="1">
+              <a:schemeClr val="accent1"/>
+            </a:fillRef>
+            <a:effectRef idx="0">
+              <a:schemeClr val="accent1"/>
+            </a:effectRef>
+            <a:fontRef idx="minor">
+              <a:schemeClr val="lt1"/>
+            </a:fontRef>
+          </p:style>
+          <p:txBody>
+            <a:bodyPr rtlCol="0" anchor="ctr"/>
+            <a:lstStyle/>
+            <a:p>
+              <a:pPr algn="ctr"/>
+              <a:endParaRPr lang="ko-KR" altLang="en-US" dirty="0"/>
+            </a:p>
+          </p:txBody>
+        </p:sp>
+      </p:grpSp>
+      <p:grpSp>
+        <p:nvGrpSpPr>
+          <p:cNvPr id="31" name="그룹 30">
+            <a:extLst>
+              <a:ext uri="{FF2B5EF4-FFF2-40B4-BE49-F238E27FC236}">
+                <a16:creationId xmlns:a16="http://schemas.microsoft.com/office/drawing/2014/main" id="{C5C6940E-7634-41A6-A689-F464D8F86539}"/>
+              </a:ext>
+            </a:extLst>
+          </p:cNvPr>
+          <p:cNvGrpSpPr/>
+          <p:nvPr/>
+        </p:nvGrpSpPr>
+        <p:grpSpPr>
+          <a:xfrm>
+            <a:off x="2821773" y="1032039"/>
+            <a:ext cx="1440000" cy="1440000"/>
+            <a:chOff x="417086" y="3042267"/>
+            <a:chExt cx="1440000" cy="1440000"/>
+          </a:xfrm>
+        </p:grpSpPr>
+        <p:sp>
+          <p:nvSpPr>
+            <p:cNvPr id="32" name="타원 31">
+              <a:extLst>
+                <a:ext uri="{FF2B5EF4-FFF2-40B4-BE49-F238E27FC236}">
+                  <a16:creationId xmlns:a16="http://schemas.microsoft.com/office/drawing/2014/main" id="{BDFA1545-BBFA-4418-81A4-2B0CDDFB9C2B}"/>
+                </a:ext>
+              </a:extLst>
+            </p:cNvPr>
+            <p:cNvSpPr/>
+            <p:nvPr/>
+          </p:nvSpPr>
+          <p:spPr>
+            <a:xfrm>
+              <a:off x="417086" y="3042267"/>
+              <a:ext cx="1440000" cy="1440000"/>
+            </a:xfrm>
+            <a:prstGeom prst="ellipse">
+              <a:avLst/>
+            </a:prstGeom>
+            <a:solidFill>
+              <a:srgbClr val="FF3333"/>
+            </a:solidFill>
+            <a:ln>
+              <a:noFill/>
+            </a:ln>
+          </p:spPr>
+          <p:style>
+            <a:lnRef idx="2">
+              <a:schemeClr val="accent1">
+                <a:shade val="50000"/>
+              </a:schemeClr>
+            </a:lnRef>
+            <a:fillRef idx="1">
+              <a:schemeClr val="accent1"/>
+            </a:fillRef>
+            <a:effectRef idx="0">
+              <a:schemeClr val="accent1"/>
+            </a:effectRef>
+            <a:fontRef idx="minor">
+              <a:schemeClr val="lt1"/>
+            </a:fontRef>
+          </p:style>
+          <p:txBody>
+            <a:bodyPr rtlCol="0" anchor="ctr"/>
+            <a:lstStyle/>
+            <a:p>
+              <a:pPr algn="ctr"/>
+              <a:r>
+                <a:rPr lang="en-US" altLang="ko-KR" sz="2800" dirty="0">
+                  <a:latin typeface="12롯데마트드림Bold" panose="02020603020101020101" pitchFamily="18" charset="-127"/>
+                  <a:ea typeface="12롯데마트드림Bold" panose="02020603020101020101" pitchFamily="18" charset="-127"/>
+                </a:rPr>
+                <a:t>DUR</a:t>
+              </a:r>
+            </a:p>
+            <a:p>
+              <a:pPr algn="ctr"/>
+              <a:r>
+                <a:rPr lang="ko-KR" altLang="en-US" dirty="0">
+                  <a:latin typeface="12롯데마트드림Bold" panose="02020603020101020101" pitchFamily="18" charset="-127"/>
+                  <a:ea typeface="12롯데마트드림Bold" panose="02020603020101020101" pitchFamily="18" charset="-127"/>
+                </a:rPr>
+                <a:t>임부</a:t>
+              </a:r>
+            </a:p>
+          </p:txBody>
+        </p:sp>
+        <p:sp>
+          <p:nvSpPr>
+            <p:cNvPr id="33" name="타원 32">
+              <a:extLst>
+                <a:ext uri="{FF2B5EF4-FFF2-40B4-BE49-F238E27FC236}">
+                  <a16:creationId xmlns:a16="http://schemas.microsoft.com/office/drawing/2014/main" id="{0DEFB0E3-A7A6-4413-8BE7-D802361809F7}"/>
+                </a:ext>
+              </a:extLst>
+            </p:cNvPr>
+            <p:cNvSpPr/>
+            <p:nvPr/>
+          </p:nvSpPr>
+          <p:spPr>
+            <a:xfrm>
+              <a:off x="528858" y="3154039"/>
+              <a:ext cx="1216457" cy="1216457"/>
+            </a:xfrm>
+            <a:prstGeom prst="ellipse">
+              <a:avLst/>
+            </a:prstGeom>
+            <a:noFill/>
+            <a:ln w="76200">
+              <a:solidFill>
+                <a:schemeClr val="bg1"/>
+              </a:solidFill>
+            </a:ln>
+          </p:spPr>
+          <p:style>
+            <a:lnRef idx="2">
+              <a:schemeClr val="accent1">
+                <a:shade val="50000"/>
+              </a:schemeClr>
+            </a:lnRef>
+            <a:fillRef idx="1">
+              <a:schemeClr val="accent1"/>
+            </a:fillRef>
+            <a:effectRef idx="0">
+              <a:schemeClr val="accent1"/>
+            </a:effectRef>
+            <a:fontRef idx="minor">
+              <a:schemeClr val="lt1"/>
+            </a:fontRef>
+          </p:style>
+          <p:txBody>
+            <a:bodyPr rtlCol="0" anchor="ctr"/>
+            <a:lstStyle/>
+            <a:p>
+              <a:pPr algn="ctr"/>
+              <a:endParaRPr lang="ko-KR" altLang="en-US" dirty="0"/>
+            </a:p>
+          </p:txBody>
+        </p:sp>
+      </p:grpSp>
+      <p:grpSp>
+        <p:nvGrpSpPr>
+          <p:cNvPr id="34" name="그룹 33">
+            <a:extLst>
+              <a:ext uri="{FF2B5EF4-FFF2-40B4-BE49-F238E27FC236}">
+                <a16:creationId xmlns:a16="http://schemas.microsoft.com/office/drawing/2014/main" id="{B4D63F89-E316-49F7-B3BB-80BD947B0D77}"/>
+              </a:ext>
+            </a:extLst>
+          </p:cNvPr>
+          <p:cNvGrpSpPr/>
+          <p:nvPr/>
+        </p:nvGrpSpPr>
+        <p:grpSpPr>
+          <a:xfrm>
+            <a:off x="6536448" y="1032039"/>
+            <a:ext cx="1440000" cy="1440000"/>
+            <a:chOff x="417086" y="3042267"/>
+            <a:chExt cx="1440000" cy="1440000"/>
+          </a:xfrm>
+        </p:grpSpPr>
+        <p:sp>
+          <p:nvSpPr>
+            <p:cNvPr id="35" name="타원 34">
+              <a:extLst>
+                <a:ext uri="{FF2B5EF4-FFF2-40B4-BE49-F238E27FC236}">
+                  <a16:creationId xmlns:a16="http://schemas.microsoft.com/office/drawing/2014/main" id="{96C4F0F6-11E1-4E4A-8D13-E328C4CEBA65}"/>
+                </a:ext>
+              </a:extLst>
+            </p:cNvPr>
+            <p:cNvSpPr/>
+            <p:nvPr/>
+          </p:nvSpPr>
+          <p:spPr>
+            <a:xfrm>
+              <a:off x="417086" y="3042267"/>
+              <a:ext cx="1440000" cy="1440000"/>
+            </a:xfrm>
+            <a:prstGeom prst="ellipse">
+              <a:avLst/>
+            </a:prstGeom>
+            <a:solidFill>
+              <a:srgbClr val="FF3333"/>
+            </a:solidFill>
+            <a:ln>
+              <a:noFill/>
+            </a:ln>
+          </p:spPr>
+          <p:style>
+            <a:lnRef idx="2">
+              <a:schemeClr val="accent1">
+                <a:shade val="50000"/>
+              </a:schemeClr>
+            </a:lnRef>
+            <a:fillRef idx="1">
+              <a:schemeClr val="accent1"/>
+            </a:fillRef>
+            <a:effectRef idx="0">
+              <a:schemeClr val="accent1"/>
+            </a:effectRef>
+            <a:fontRef idx="minor">
+              <a:schemeClr val="lt1"/>
+            </a:fontRef>
+          </p:style>
+          <p:txBody>
+            <a:bodyPr rtlCol="0" anchor="ctr"/>
+            <a:lstStyle/>
+            <a:p>
+              <a:pPr algn="ctr"/>
+              <a:r>
+                <a:rPr lang="en-US" altLang="ko-KR" sz="2800" dirty="0">
+                  <a:latin typeface="12롯데마트드림Bold" panose="02020603020101020101" pitchFamily="18" charset="-127"/>
+                  <a:ea typeface="12롯데마트드림Bold" panose="02020603020101020101" pitchFamily="18" charset="-127"/>
+                </a:rPr>
+                <a:t>DUR</a:t>
+              </a:r>
+            </a:p>
+            <a:p>
+              <a:pPr algn="ctr"/>
+              <a:r>
+                <a:rPr lang="ko-KR" altLang="en-US" dirty="0">
+                  <a:latin typeface="12롯데마트드림Bold" panose="02020603020101020101" pitchFamily="18" charset="-127"/>
+                  <a:ea typeface="12롯데마트드림Bold" panose="02020603020101020101" pitchFamily="18" charset="-127"/>
+                </a:rPr>
+                <a:t>노인</a:t>
+              </a:r>
+            </a:p>
+          </p:txBody>
+        </p:sp>
+        <p:sp>
+          <p:nvSpPr>
+            <p:cNvPr id="36" name="타원 35">
+              <a:extLst>
+                <a:ext uri="{FF2B5EF4-FFF2-40B4-BE49-F238E27FC236}">
+                  <a16:creationId xmlns:a16="http://schemas.microsoft.com/office/drawing/2014/main" id="{913561FE-5C7B-4FE7-BEDD-65DD8C21CD85}"/>
+                </a:ext>
+              </a:extLst>
+            </p:cNvPr>
+            <p:cNvSpPr/>
+            <p:nvPr/>
+          </p:nvSpPr>
+          <p:spPr>
+            <a:xfrm>
+              <a:off x="528858" y="3154039"/>
+              <a:ext cx="1216457" cy="1216457"/>
+            </a:xfrm>
+            <a:prstGeom prst="ellipse">
+              <a:avLst/>
+            </a:prstGeom>
+            <a:noFill/>
+            <a:ln w="76200">
+              <a:solidFill>
+                <a:schemeClr val="bg1"/>
+              </a:solidFill>
+            </a:ln>
+          </p:spPr>
+          <p:style>
+            <a:lnRef idx="2">
+              <a:schemeClr val="accent1">
+                <a:shade val="50000"/>
+              </a:schemeClr>
+            </a:lnRef>
+            <a:fillRef idx="1">
+              <a:schemeClr val="accent1"/>
+            </a:fillRef>
+            <a:effectRef idx="0">
+              <a:schemeClr val="accent1"/>
+            </a:effectRef>
+            <a:fontRef idx="minor">
+              <a:schemeClr val="lt1"/>
+            </a:fontRef>
+          </p:style>
+          <p:txBody>
+            <a:bodyPr rtlCol="0" anchor="ctr"/>
+            <a:lstStyle/>
+            <a:p>
+              <a:pPr algn="ctr"/>
+              <a:endParaRPr lang="ko-KR" altLang="en-US" dirty="0"/>
+            </a:p>
+          </p:txBody>
+        </p:sp>
+      </p:grpSp>
+      <p:grpSp>
+        <p:nvGrpSpPr>
+          <p:cNvPr id="38" name="그룹 37">
+            <a:extLst>
+              <a:ext uri="{FF2B5EF4-FFF2-40B4-BE49-F238E27FC236}">
+                <a16:creationId xmlns:a16="http://schemas.microsoft.com/office/drawing/2014/main" id="{BF52EC60-0FF9-41F1-9244-3959A04497FC}"/>
+              </a:ext>
+            </a:extLst>
+          </p:cNvPr>
+          <p:cNvGrpSpPr/>
+          <p:nvPr/>
+        </p:nvGrpSpPr>
+        <p:grpSpPr>
+          <a:xfrm>
+            <a:off x="6536448" y="2953436"/>
+            <a:ext cx="1440000" cy="1440000"/>
+            <a:chOff x="417086" y="3042267"/>
+            <a:chExt cx="1440000" cy="1440000"/>
+          </a:xfrm>
+        </p:grpSpPr>
+        <p:sp>
+          <p:nvSpPr>
+            <p:cNvPr id="39" name="타원 38">
+              <a:extLst>
+                <a:ext uri="{FF2B5EF4-FFF2-40B4-BE49-F238E27FC236}">
+                  <a16:creationId xmlns:a16="http://schemas.microsoft.com/office/drawing/2014/main" id="{6C323F9C-A50A-4530-9430-2E33F418E4D4}"/>
+                </a:ext>
+              </a:extLst>
+            </p:cNvPr>
+            <p:cNvSpPr/>
+            <p:nvPr/>
+          </p:nvSpPr>
+          <p:spPr>
+            <a:xfrm>
+              <a:off x="417086" y="3042267"/>
+              <a:ext cx="1440000" cy="1440000"/>
+            </a:xfrm>
+            <a:prstGeom prst="ellipse">
+              <a:avLst/>
+            </a:prstGeom>
+            <a:solidFill>
+              <a:srgbClr val="FF3333"/>
+            </a:solidFill>
+            <a:ln>
+              <a:noFill/>
+            </a:ln>
+          </p:spPr>
+          <p:style>
+            <a:lnRef idx="2">
+              <a:schemeClr val="accent1">
+                <a:shade val="50000"/>
+              </a:schemeClr>
+            </a:lnRef>
+            <a:fillRef idx="1">
+              <a:schemeClr val="accent1"/>
+            </a:fillRef>
+            <a:effectRef idx="0">
+              <a:schemeClr val="accent1"/>
+            </a:effectRef>
+            <a:fontRef idx="minor">
+              <a:schemeClr val="lt1"/>
+            </a:fontRef>
+          </p:style>
+          <p:txBody>
+            <a:bodyPr rtlCol="0" anchor="ctr"/>
+            <a:lstStyle/>
+            <a:p>
+              <a:pPr algn="ctr"/>
+              <a:r>
+                <a:rPr lang="en-US" altLang="ko-KR" sz="2800" dirty="0">
+                  <a:latin typeface="12롯데마트드림Bold" panose="02020603020101020101" pitchFamily="18" charset="-127"/>
+                  <a:ea typeface="12롯데마트드림Bold" panose="02020603020101020101" pitchFamily="18" charset="-127"/>
+                </a:rPr>
+                <a:t>DUR</a:t>
+              </a:r>
+            </a:p>
+            <a:p>
+              <a:pPr algn="ctr"/>
+              <a:r>
+                <a:rPr lang="ko-KR" altLang="en-US" dirty="0">
+                  <a:latin typeface="12롯데마트드림Bold" panose="02020603020101020101" pitchFamily="18" charset="-127"/>
+                  <a:ea typeface="12롯데마트드림Bold" panose="02020603020101020101" pitchFamily="18" charset="-127"/>
+                </a:rPr>
+                <a:t>용량</a:t>
+              </a:r>
+            </a:p>
+          </p:txBody>
+        </p:sp>
+        <p:sp>
+          <p:nvSpPr>
+            <p:cNvPr id="40" name="타원 39">
+              <a:extLst>
+                <a:ext uri="{FF2B5EF4-FFF2-40B4-BE49-F238E27FC236}">
+                  <a16:creationId xmlns:a16="http://schemas.microsoft.com/office/drawing/2014/main" id="{67C367A4-67D9-4352-9309-CF3FB8E0EB94}"/>
+                </a:ext>
+              </a:extLst>
+            </p:cNvPr>
+            <p:cNvSpPr/>
+            <p:nvPr/>
+          </p:nvSpPr>
+          <p:spPr>
+            <a:xfrm>
+              <a:off x="528858" y="3154039"/>
+              <a:ext cx="1216457" cy="1216457"/>
+            </a:xfrm>
+            <a:prstGeom prst="ellipse">
+              <a:avLst/>
+            </a:prstGeom>
+            <a:noFill/>
+            <a:ln w="76200">
+              <a:solidFill>
+                <a:schemeClr val="bg1"/>
+              </a:solidFill>
+            </a:ln>
+          </p:spPr>
+          <p:style>
+            <a:lnRef idx="2">
+              <a:schemeClr val="accent1">
+                <a:shade val="50000"/>
+              </a:schemeClr>
+            </a:lnRef>
+            <a:fillRef idx="1">
+              <a:schemeClr val="accent1"/>
+            </a:fillRef>
+            <a:effectRef idx="0">
+              <a:schemeClr val="accent1"/>
+            </a:effectRef>
+            <a:fontRef idx="minor">
+              <a:schemeClr val="lt1"/>
+            </a:fontRef>
+          </p:style>
+          <p:txBody>
+            <a:bodyPr rtlCol="0" anchor="ctr"/>
+            <a:lstStyle/>
+            <a:p>
+              <a:pPr algn="ctr"/>
+              <a:endParaRPr lang="ko-KR" altLang="en-US" dirty="0"/>
+            </a:p>
+          </p:txBody>
+        </p:sp>
+      </p:grpSp>
+      <p:grpSp>
+        <p:nvGrpSpPr>
+          <p:cNvPr id="41" name="그룹 40">
+            <a:extLst>
+              <a:ext uri="{FF2B5EF4-FFF2-40B4-BE49-F238E27FC236}">
+                <a16:creationId xmlns:a16="http://schemas.microsoft.com/office/drawing/2014/main" id="{D78CF368-384B-4F5E-8814-4581513C282B}"/>
+              </a:ext>
+            </a:extLst>
+          </p:cNvPr>
+          <p:cNvGrpSpPr/>
+          <p:nvPr/>
+        </p:nvGrpSpPr>
+        <p:grpSpPr>
+          <a:xfrm>
+            <a:off x="6536448" y="4564896"/>
+            <a:ext cx="1440000" cy="1440000"/>
+            <a:chOff x="417086" y="3042267"/>
+            <a:chExt cx="1440000" cy="1440000"/>
+          </a:xfrm>
+        </p:grpSpPr>
+        <p:sp>
+          <p:nvSpPr>
+            <p:cNvPr id="42" name="타원 41">
+              <a:extLst>
+                <a:ext uri="{FF2B5EF4-FFF2-40B4-BE49-F238E27FC236}">
+                  <a16:creationId xmlns:a16="http://schemas.microsoft.com/office/drawing/2014/main" id="{CF7FD2E3-C633-4210-AD67-24472E84194E}"/>
+                </a:ext>
+              </a:extLst>
+            </p:cNvPr>
+            <p:cNvSpPr/>
+            <p:nvPr/>
+          </p:nvSpPr>
+          <p:spPr>
+            <a:xfrm>
+              <a:off x="417086" y="3042267"/>
+              <a:ext cx="1440000" cy="1440000"/>
+            </a:xfrm>
+            <a:prstGeom prst="ellipse">
+              <a:avLst/>
+            </a:prstGeom>
+            <a:solidFill>
+              <a:srgbClr val="FF3333"/>
+            </a:solidFill>
+            <a:ln>
+              <a:noFill/>
+            </a:ln>
+          </p:spPr>
+          <p:style>
+            <a:lnRef idx="2">
+              <a:schemeClr val="accent1">
+                <a:shade val="50000"/>
+              </a:schemeClr>
+            </a:lnRef>
+            <a:fillRef idx="1">
+              <a:schemeClr val="accent1"/>
+            </a:fillRef>
+            <a:effectRef idx="0">
+              <a:schemeClr val="accent1"/>
+            </a:effectRef>
+            <a:fontRef idx="minor">
+              <a:schemeClr val="lt1"/>
+            </a:fontRef>
+          </p:style>
+          <p:txBody>
+            <a:bodyPr rtlCol="0" anchor="ctr"/>
+            <a:lstStyle/>
+            <a:p>
+              <a:pPr algn="ctr"/>
+              <a:r>
+                <a:rPr lang="en-US" altLang="ko-KR" sz="2800" dirty="0">
+                  <a:latin typeface="12롯데마트드림Bold" panose="02020603020101020101" pitchFamily="18" charset="-127"/>
+                  <a:ea typeface="12롯데마트드림Bold" panose="02020603020101020101" pitchFamily="18" charset="-127"/>
+                </a:rPr>
+                <a:t>DUR</a:t>
+              </a:r>
+            </a:p>
+            <a:p>
+              <a:pPr algn="ctr"/>
+              <a:r>
+                <a:rPr lang="ko-KR" altLang="en-US" dirty="0">
+                  <a:latin typeface="12롯데마트드림Bold" panose="02020603020101020101" pitchFamily="18" charset="-127"/>
+                  <a:ea typeface="12롯데마트드림Bold" panose="02020603020101020101" pitchFamily="18" charset="-127"/>
+                </a:rPr>
+                <a:t>투여기간</a:t>
+              </a:r>
+            </a:p>
+          </p:txBody>
+        </p:sp>
+        <p:sp>
+          <p:nvSpPr>
+            <p:cNvPr id="43" name="타원 42">
+              <a:extLst>
+                <a:ext uri="{FF2B5EF4-FFF2-40B4-BE49-F238E27FC236}">
+                  <a16:creationId xmlns:a16="http://schemas.microsoft.com/office/drawing/2014/main" id="{4365F62C-FEA4-466C-9DBB-78A30A7E751D}"/>
+                </a:ext>
+              </a:extLst>
+            </p:cNvPr>
+            <p:cNvSpPr/>
+            <p:nvPr/>
+          </p:nvSpPr>
+          <p:spPr>
+            <a:xfrm>
+              <a:off x="528858" y="3154039"/>
+              <a:ext cx="1216457" cy="1216457"/>
+            </a:xfrm>
+            <a:prstGeom prst="ellipse">
+              <a:avLst/>
+            </a:prstGeom>
+            <a:noFill/>
+            <a:ln w="76200">
+              <a:solidFill>
+                <a:schemeClr val="bg1"/>
+              </a:solidFill>
+            </a:ln>
+          </p:spPr>
+          <p:style>
+            <a:lnRef idx="2">
+              <a:schemeClr val="accent1">
+                <a:shade val="50000"/>
+              </a:schemeClr>
+            </a:lnRef>
+            <a:fillRef idx="1">
+              <a:schemeClr val="accent1"/>
+            </a:fillRef>
+            <a:effectRef idx="0">
+              <a:schemeClr val="accent1"/>
+            </a:effectRef>
+            <a:fontRef idx="minor">
+              <a:schemeClr val="lt1"/>
+            </a:fontRef>
+          </p:style>
+          <p:txBody>
+            <a:bodyPr rtlCol="0" anchor="ctr"/>
+            <a:lstStyle/>
+            <a:p>
+              <a:pPr algn="ctr"/>
+              <a:endParaRPr lang="ko-KR" altLang="en-US" dirty="0"/>
+            </a:p>
+          </p:txBody>
+        </p:sp>
+      </p:grpSp>
+      <p:grpSp>
+        <p:nvGrpSpPr>
+          <p:cNvPr id="44" name="그룹 43">
+            <a:extLst>
+              <a:ext uri="{FF2B5EF4-FFF2-40B4-BE49-F238E27FC236}">
+                <a16:creationId xmlns:a16="http://schemas.microsoft.com/office/drawing/2014/main" id="{27D9D495-2EA0-4D60-BE50-384D05574E71}"/>
+              </a:ext>
+            </a:extLst>
+          </p:cNvPr>
+          <p:cNvGrpSpPr/>
+          <p:nvPr/>
+        </p:nvGrpSpPr>
+        <p:grpSpPr>
+          <a:xfrm>
+            <a:off x="4434630" y="4564896"/>
+            <a:ext cx="1440000" cy="1440000"/>
+            <a:chOff x="417086" y="3042267"/>
+            <a:chExt cx="1440000" cy="1440000"/>
+          </a:xfrm>
+        </p:grpSpPr>
+        <p:sp>
+          <p:nvSpPr>
+            <p:cNvPr id="45" name="타원 44">
+              <a:extLst>
+                <a:ext uri="{FF2B5EF4-FFF2-40B4-BE49-F238E27FC236}">
+                  <a16:creationId xmlns:a16="http://schemas.microsoft.com/office/drawing/2014/main" id="{B5078878-E562-480B-8582-03866575CD14}"/>
+                </a:ext>
+              </a:extLst>
+            </p:cNvPr>
+            <p:cNvSpPr/>
+            <p:nvPr/>
+          </p:nvSpPr>
+          <p:spPr>
+            <a:xfrm>
+              <a:off x="417086" y="3042267"/>
+              <a:ext cx="1440000" cy="1440000"/>
+            </a:xfrm>
+            <a:prstGeom prst="ellipse">
+              <a:avLst/>
+            </a:prstGeom>
+            <a:solidFill>
+              <a:srgbClr val="FF3333"/>
+            </a:solidFill>
+            <a:ln>
+              <a:noFill/>
+            </a:ln>
+          </p:spPr>
+          <p:style>
+            <a:lnRef idx="2">
+              <a:schemeClr val="accent1">
+                <a:shade val="50000"/>
+              </a:schemeClr>
+            </a:lnRef>
+            <a:fillRef idx="1">
+              <a:schemeClr val="accent1"/>
+            </a:fillRef>
+            <a:effectRef idx="0">
+              <a:schemeClr val="accent1"/>
+            </a:effectRef>
+            <a:fontRef idx="minor">
+              <a:schemeClr val="lt1"/>
+            </a:fontRef>
+          </p:style>
+          <p:txBody>
+            <a:bodyPr rtlCol="0" anchor="ctr"/>
+            <a:lstStyle/>
+            <a:p>
+              <a:pPr algn="ctr"/>
+              <a:r>
+                <a:rPr lang="en-US" altLang="ko-KR" sz="2800" dirty="0">
+                  <a:latin typeface="12롯데마트드림Bold" panose="02020603020101020101" pitchFamily="18" charset="-127"/>
+                  <a:ea typeface="12롯데마트드림Bold" panose="02020603020101020101" pitchFamily="18" charset="-127"/>
+                </a:rPr>
+                <a:t>DUR</a:t>
+              </a:r>
+            </a:p>
+            <a:p>
+              <a:pPr algn="ctr"/>
+              <a:r>
+                <a:rPr lang="ko-KR" altLang="en-US" sz="1400" dirty="0">
+                  <a:latin typeface="12롯데마트드림Bold" panose="02020603020101020101" pitchFamily="18" charset="-127"/>
+                  <a:ea typeface="12롯데마트드림Bold" panose="02020603020101020101" pitchFamily="18" charset="-127"/>
+                </a:rPr>
+                <a:t>효능군중복</a:t>
+              </a:r>
+            </a:p>
+          </p:txBody>
+        </p:sp>
+        <p:sp>
+          <p:nvSpPr>
+            <p:cNvPr id="46" name="타원 45">
+              <a:extLst>
+                <a:ext uri="{FF2B5EF4-FFF2-40B4-BE49-F238E27FC236}">
+                  <a16:creationId xmlns:a16="http://schemas.microsoft.com/office/drawing/2014/main" id="{37B35946-E237-4C1E-B8CD-D5606CA9AB58}"/>
+                </a:ext>
+              </a:extLst>
+            </p:cNvPr>
+            <p:cNvSpPr/>
+            <p:nvPr/>
+          </p:nvSpPr>
+          <p:spPr>
+            <a:xfrm>
+              <a:off x="528858" y="3154039"/>
+              <a:ext cx="1216457" cy="1216457"/>
+            </a:xfrm>
+            <a:prstGeom prst="ellipse">
+              <a:avLst/>
+            </a:prstGeom>
+            <a:noFill/>
+            <a:ln w="76200">
+              <a:solidFill>
+                <a:schemeClr val="bg1"/>
+              </a:solidFill>
+            </a:ln>
+          </p:spPr>
+          <p:style>
+            <a:lnRef idx="2">
+              <a:schemeClr val="accent1">
+                <a:shade val="50000"/>
+              </a:schemeClr>
+            </a:lnRef>
+            <a:fillRef idx="1">
+              <a:schemeClr val="accent1"/>
+            </a:fillRef>
+            <a:effectRef idx="0">
+              <a:schemeClr val="accent1"/>
+            </a:effectRef>
+            <a:fontRef idx="minor">
+              <a:schemeClr val="lt1"/>
+            </a:fontRef>
+          </p:style>
+          <p:txBody>
+            <a:bodyPr rtlCol="0" anchor="ctr"/>
+            <a:lstStyle/>
+            <a:p>
+              <a:pPr algn="ctr"/>
+              <a:endParaRPr lang="ko-KR" altLang="en-US" dirty="0"/>
+            </a:p>
+          </p:txBody>
+        </p:sp>
+      </p:grpSp>
+      <p:grpSp>
+        <p:nvGrpSpPr>
+          <p:cNvPr id="47" name="그룹 46">
+            <a:extLst>
+              <a:ext uri="{FF2B5EF4-FFF2-40B4-BE49-F238E27FC236}">
+                <a16:creationId xmlns:a16="http://schemas.microsoft.com/office/drawing/2014/main" id="{BAF866B2-DB90-4B84-976D-00887DBAE0E1}"/>
+              </a:ext>
+            </a:extLst>
+          </p:cNvPr>
+          <p:cNvGrpSpPr/>
+          <p:nvPr/>
+        </p:nvGrpSpPr>
+        <p:grpSpPr>
+          <a:xfrm>
+            <a:off x="8284225" y="4453125"/>
+            <a:ext cx="1440000" cy="1440000"/>
+            <a:chOff x="417086" y="3042267"/>
+            <a:chExt cx="1440000" cy="1440000"/>
+          </a:xfrm>
+        </p:grpSpPr>
+        <p:sp>
+          <p:nvSpPr>
+            <p:cNvPr id="48" name="타원 47">
+              <a:extLst>
+                <a:ext uri="{FF2B5EF4-FFF2-40B4-BE49-F238E27FC236}">
+                  <a16:creationId xmlns:a16="http://schemas.microsoft.com/office/drawing/2014/main" id="{1E2CC78F-7202-4B65-8E70-9F6533324164}"/>
+                </a:ext>
+              </a:extLst>
+            </p:cNvPr>
+            <p:cNvSpPr/>
+            <p:nvPr/>
+          </p:nvSpPr>
+          <p:spPr>
+            <a:xfrm>
+              <a:off x="417086" y="3042267"/>
+              <a:ext cx="1440000" cy="1440000"/>
+            </a:xfrm>
+            <a:prstGeom prst="ellipse">
+              <a:avLst/>
+            </a:prstGeom>
+            <a:solidFill>
+              <a:srgbClr val="FF3333"/>
+            </a:solidFill>
+            <a:ln>
+              <a:noFill/>
+            </a:ln>
+          </p:spPr>
+          <p:style>
+            <a:lnRef idx="2">
+              <a:schemeClr val="accent1">
+                <a:shade val="50000"/>
+              </a:schemeClr>
+            </a:lnRef>
+            <a:fillRef idx="1">
+              <a:schemeClr val="accent1"/>
+            </a:fillRef>
+            <a:effectRef idx="0">
+              <a:schemeClr val="accent1"/>
+            </a:effectRef>
+            <a:fontRef idx="minor">
+              <a:schemeClr val="lt1"/>
+            </a:fontRef>
+          </p:style>
+          <p:txBody>
+            <a:bodyPr rtlCol="0" anchor="ctr"/>
+            <a:lstStyle/>
+            <a:p>
+              <a:pPr algn="ctr"/>
+              <a:r>
+                <a:rPr lang="en-US" altLang="ko-KR" sz="2800" dirty="0">
+                  <a:latin typeface="12롯데마트드림Bold" panose="02020603020101020101" pitchFamily="18" charset="-127"/>
+                  <a:ea typeface="12롯데마트드림Bold" panose="02020603020101020101" pitchFamily="18" charset="-127"/>
+                </a:rPr>
+                <a:t>DUR</a:t>
+              </a:r>
+            </a:p>
+            <a:p>
+              <a:pPr algn="ctr"/>
+              <a:r>
+                <a:rPr lang="ko-KR" altLang="en-US" dirty="0">
+                  <a:latin typeface="12롯데마트드림Bold" panose="02020603020101020101" pitchFamily="18" charset="-127"/>
+                  <a:ea typeface="12롯데마트드림Bold" panose="02020603020101020101" pitchFamily="18" charset="-127"/>
+                </a:rPr>
+                <a:t>첨가제</a:t>
+              </a:r>
+            </a:p>
+          </p:txBody>
+        </p:sp>
+        <p:sp>
+          <p:nvSpPr>
+            <p:cNvPr id="49" name="타원 48">
+              <a:extLst>
+                <a:ext uri="{FF2B5EF4-FFF2-40B4-BE49-F238E27FC236}">
+                  <a16:creationId xmlns:a16="http://schemas.microsoft.com/office/drawing/2014/main" id="{BA0ECDF9-0D92-4E0F-A03C-E1C99B645D7D}"/>
+                </a:ext>
+              </a:extLst>
+            </p:cNvPr>
+            <p:cNvSpPr/>
+            <p:nvPr/>
+          </p:nvSpPr>
+          <p:spPr>
+            <a:xfrm>
+              <a:off x="528858" y="3154039"/>
+              <a:ext cx="1216457" cy="1216457"/>
+            </a:xfrm>
+            <a:prstGeom prst="ellipse">
+              <a:avLst/>
+            </a:prstGeom>
+            <a:noFill/>
+            <a:ln w="76200">
+              <a:solidFill>
+                <a:schemeClr val="bg1"/>
+              </a:solidFill>
+            </a:ln>
+          </p:spPr>
+          <p:style>
+            <a:lnRef idx="2">
+              <a:schemeClr val="accent1">
+                <a:shade val="50000"/>
+              </a:schemeClr>
+            </a:lnRef>
+            <a:fillRef idx="1">
+              <a:schemeClr val="accent1"/>
+            </a:fillRef>
+            <a:effectRef idx="0">
+              <a:schemeClr val="accent1"/>
+            </a:effectRef>
+            <a:fontRef idx="minor">
+              <a:schemeClr val="lt1"/>
+            </a:fontRef>
+          </p:style>
+          <p:txBody>
+            <a:bodyPr rtlCol="0" anchor="ctr"/>
+            <a:lstStyle/>
+            <a:p>
+              <a:pPr algn="ctr"/>
+              <a:endParaRPr lang="ko-KR" altLang="en-US" dirty="0"/>
+            </a:p>
+          </p:txBody>
+        </p:sp>
+      </p:grpSp>
+    </p:spTree>
+    <p:extLst>
+      <p:ext uri="{BB962C8B-B14F-4D97-AF65-F5344CB8AC3E}">
+        <p14:creationId xmlns:p14="http://schemas.microsoft.com/office/powerpoint/2010/main" val="1200861192"/>
+      </p:ext>
+    </p:extLst>
+  </p:cSld>
+  <p:clrMapOvr>
+    <a:masterClrMapping/>
+  </p:clrMapOvr>
+</p:sld>
+</file>
+
 <file path=ppt/slides/slide2.xml><?xml version="1.0" encoding="utf-8"?>
 <p:sld xmlns:a="http://schemas.openxmlformats.org/drawingml/2006/main" xmlns:r="http://schemas.openxmlformats.org/officeDocument/2006/relationships" xmlns:p="http://schemas.openxmlformats.org/presentationml/2006/main">
   <p:cSld>
@@ -10020,7 +11231,7 @@
         </p:nvSpPr>
         <p:spPr>
           <a:xfrm>
-            <a:off x="2151533" y="721946"/>
+            <a:off x="2517905" y="988200"/>
             <a:ext cx="1440000" cy="1440000"/>
           </a:xfrm>
           <a:prstGeom prst="ellipse">
@@ -10194,68 +11405,6 @@
       </p:sp>
       <p:sp>
         <p:nvSpPr>
-          <p:cNvPr id="11" name="타원 10">
-            <a:extLst>
-              <a:ext uri="{FF2B5EF4-FFF2-40B4-BE49-F238E27FC236}">
-                <a16:creationId xmlns:a16="http://schemas.microsoft.com/office/drawing/2014/main" id="{FDD8BA2C-1717-41AD-9FEE-0CEE12FE0526}"/>
-              </a:ext>
-            </a:extLst>
-          </p:cNvPr>
-          <p:cNvSpPr/>
-          <p:nvPr/>
-        </p:nvSpPr>
-        <p:spPr>
-          <a:xfrm>
-            <a:off x="5133063" y="4151221"/>
-            <a:ext cx="1440000" cy="1440000"/>
-          </a:xfrm>
-          <a:prstGeom prst="ellipse">
-            <a:avLst/>
-          </a:prstGeom>
-          <a:solidFill>
-            <a:srgbClr val="F8AEAE"/>
-          </a:solidFill>
-          <a:ln>
-            <a:noFill/>
-          </a:ln>
-        </p:spPr>
-        <p:style>
-          <a:lnRef idx="2">
-            <a:schemeClr val="accent1">
-              <a:shade val="50000"/>
-            </a:schemeClr>
-          </a:lnRef>
-          <a:fillRef idx="1">
-            <a:schemeClr val="accent1"/>
-          </a:fillRef>
-          <a:effectRef idx="0">
-            <a:schemeClr val="accent1"/>
-          </a:effectRef>
-          <a:fontRef idx="minor">
-            <a:schemeClr val="lt1"/>
-          </a:fontRef>
-        </p:style>
-        <p:txBody>
-          <a:bodyPr rtlCol="0" anchor="ctr"/>
-          <a:lstStyle/>
-          <a:p>
-            <a:pPr algn="ctr"/>
-            <a:r>
-              <a:rPr lang="en-US" altLang="ko-KR" sz="8000" dirty="0">
-                <a:latin typeface="12롯데마트드림Bold" panose="02020603020101020101" pitchFamily="18" charset="-127"/>
-                <a:ea typeface="12롯데마트드림Bold" panose="02020603020101020101" pitchFamily="18" charset="-127"/>
-              </a:rPr>
-              <a:t>4</a:t>
-            </a:r>
-            <a:endParaRPr lang="ko-KR" altLang="en-US" sz="8000" dirty="0">
-              <a:latin typeface="12롯데마트드림Bold" panose="02020603020101020101" pitchFamily="18" charset="-127"/>
-              <a:ea typeface="12롯데마트드림Bold" panose="02020603020101020101" pitchFamily="18" charset="-127"/>
-            </a:endParaRPr>
-          </a:p>
-        </p:txBody>
-      </p:sp>
-      <p:sp>
-        <p:nvSpPr>
           <p:cNvPr id="14" name="타원 13">
             <a:extLst>
               <a:ext uri="{FF2B5EF4-FFF2-40B4-BE49-F238E27FC236}">
@@ -10309,6 +11458,327 @@
               </a:rPr>
               <a:t>6</a:t>
             </a:r>
+            <a:endParaRPr lang="ko-KR" altLang="en-US" sz="8000" dirty="0">
+              <a:latin typeface="12롯데마트드림Bold" panose="02020603020101020101" pitchFamily="18" charset="-127"/>
+              <a:ea typeface="12롯데마트드림Bold" panose="02020603020101020101" pitchFamily="18" charset="-127"/>
+            </a:endParaRPr>
+          </a:p>
+        </p:txBody>
+      </p:sp>
+      <p:grpSp>
+        <p:nvGrpSpPr>
+          <p:cNvPr id="18" name="그룹 17">
+            <a:extLst>
+              <a:ext uri="{FF2B5EF4-FFF2-40B4-BE49-F238E27FC236}">
+                <a16:creationId xmlns:a16="http://schemas.microsoft.com/office/drawing/2014/main" id="{299DD27D-103D-481A-AA48-1E5591CF0A7A}"/>
+              </a:ext>
+            </a:extLst>
+          </p:cNvPr>
+          <p:cNvGrpSpPr/>
+          <p:nvPr/>
+        </p:nvGrpSpPr>
+        <p:grpSpPr>
+          <a:xfrm>
+            <a:off x="417086" y="3042267"/>
+            <a:ext cx="1440000" cy="1440000"/>
+            <a:chOff x="417086" y="3042267"/>
+            <a:chExt cx="1440000" cy="1440000"/>
+          </a:xfrm>
+        </p:grpSpPr>
+        <p:sp>
+          <p:nvSpPr>
+            <p:cNvPr id="12" name="타원 11">
+              <a:extLst>
+                <a:ext uri="{FF2B5EF4-FFF2-40B4-BE49-F238E27FC236}">
+                  <a16:creationId xmlns:a16="http://schemas.microsoft.com/office/drawing/2014/main" id="{98F543CD-75BE-480B-80DC-AD51BE120A76}"/>
+                </a:ext>
+              </a:extLst>
+            </p:cNvPr>
+            <p:cNvSpPr/>
+            <p:nvPr/>
+          </p:nvSpPr>
+          <p:spPr>
+            <a:xfrm>
+              <a:off x="417086" y="3042267"/>
+              <a:ext cx="1440000" cy="1440000"/>
+            </a:xfrm>
+            <a:prstGeom prst="ellipse">
+              <a:avLst/>
+            </a:prstGeom>
+            <a:solidFill>
+              <a:srgbClr val="FF3333"/>
+            </a:solidFill>
+            <a:ln>
+              <a:noFill/>
+            </a:ln>
+          </p:spPr>
+          <p:style>
+            <a:lnRef idx="2">
+              <a:schemeClr val="accent1">
+                <a:shade val="50000"/>
+              </a:schemeClr>
+            </a:lnRef>
+            <a:fillRef idx="1">
+              <a:schemeClr val="accent1"/>
+            </a:fillRef>
+            <a:effectRef idx="0">
+              <a:schemeClr val="accent1"/>
+            </a:effectRef>
+            <a:fontRef idx="minor">
+              <a:schemeClr val="lt1"/>
+            </a:fontRef>
+          </p:style>
+          <p:txBody>
+            <a:bodyPr rtlCol="0" anchor="ctr"/>
+            <a:lstStyle/>
+            <a:p>
+              <a:pPr algn="ctr"/>
+              <a:r>
+                <a:rPr lang="en-US" altLang="ko-KR" sz="3500" dirty="0">
+                  <a:latin typeface="12롯데마트드림Bold" panose="02020603020101020101" pitchFamily="18" charset="-127"/>
+                  <a:ea typeface="12롯데마트드림Bold" panose="02020603020101020101" pitchFamily="18" charset="-127"/>
+                </a:rPr>
+                <a:t>DUR</a:t>
+              </a:r>
+              <a:endParaRPr lang="ko-KR" altLang="en-US" sz="3500" dirty="0">
+                <a:latin typeface="12롯데마트드림Bold" panose="02020603020101020101" pitchFamily="18" charset="-127"/>
+                <a:ea typeface="12롯데마트드림Bold" panose="02020603020101020101" pitchFamily="18" charset="-127"/>
+              </a:endParaRPr>
+            </a:p>
+          </p:txBody>
+        </p:sp>
+        <p:sp>
+          <p:nvSpPr>
+            <p:cNvPr id="3" name="타원 2">
+              <a:extLst>
+                <a:ext uri="{FF2B5EF4-FFF2-40B4-BE49-F238E27FC236}">
+                  <a16:creationId xmlns:a16="http://schemas.microsoft.com/office/drawing/2014/main" id="{C3F31883-B052-4B0B-AFD0-3241496DF714}"/>
+                </a:ext>
+              </a:extLst>
+            </p:cNvPr>
+            <p:cNvSpPr/>
+            <p:nvPr/>
+          </p:nvSpPr>
+          <p:spPr>
+            <a:xfrm>
+              <a:off x="528858" y="3154039"/>
+              <a:ext cx="1216457" cy="1216457"/>
+            </a:xfrm>
+            <a:prstGeom prst="ellipse">
+              <a:avLst/>
+            </a:prstGeom>
+            <a:noFill/>
+            <a:ln w="76200">
+              <a:solidFill>
+                <a:schemeClr val="bg1"/>
+              </a:solidFill>
+            </a:ln>
+          </p:spPr>
+          <p:style>
+            <a:lnRef idx="2">
+              <a:schemeClr val="accent1">
+                <a:shade val="50000"/>
+              </a:schemeClr>
+            </a:lnRef>
+            <a:fillRef idx="1">
+              <a:schemeClr val="accent1"/>
+            </a:fillRef>
+            <a:effectRef idx="0">
+              <a:schemeClr val="accent1"/>
+            </a:effectRef>
+            <a:fontRef idx="minor">
+              <a:schemeClr val="lt1"/>
+            </a:fontRef>
+          </p:style>
+          <p:txBody>
+            <a:bodyPr rtlCol="0" anchor="ctr"/>
+            <a:lstStyle/>
+            <a:p>
+              <a:pPr algn="ctr"/>
+              <a:endParaRPr lang="ko-KR" altLang="en-US" dirty="0"/>
+            </a:p>
+          </p:txBody>
+        </p:sp>
+      </p:grpSp>
+      <p:grpSp>
+        <p:nvGrpSpPr>
+          <p:cNvPr id="17" name="그룹 16">
+            <a:extLst>
+              <a:ext uri="{FF2B5EF4-FFF2-40B4-BE49-F238E27FC236}">
+                <a16:creationId xmlns:a16="http://schemas.microsoft.com/office/drawing/2014/main" id="{A91B7BA8-399E-4AD7-880D-3CFB03992BB6}"/>
+              </a:ext>
+            </a:extLst>
+          </p:cNvPr>
+          <p:cNvGrpSpPr/>
+          <p:nvPr/>
+        </p:nvGrpSpPr>
+        <p:grpSpPr>
+          <a:xfrm>
+            <a:off x="5133063" y="4151221"/>
+            <a:ext cx="1440000" cy="1440000"/>
+            <a:chOff x="5133063" y="4151221"/>
+            <a:chExt cx="1440000" cy="1440000"/>
+          </a:xfrm>
+        </p:grpSpPr>
+        <p:sp>
+          <p:nvSpPr>
+            <p:cNvPr id="11" name="타원 10">
+              <a:extLst>
+                <a:ext uri="{FF2B5EF4-FFF2-40B4-BE49-F238E27FC236}">
+                  <a16:creationId xmlns:a16="http://schemas.microsoft.com/office/drawing/2014/main" id="{FDD8BA2C-1717-41AD-9FEE-0CEE12FE0526}"/>
+                </a:ext>
+              </a:extLst>
+            </p:cNvPr>
+            <p:cNvSpPr/>
+            <p:nvPr/>
+          </p:nvSpPr>
+          <p:spPr>
+            <a:xfrm>
+              <a:off x="5133063" y="4151221"/>
+              <a:ext cx="1440000" cy="1440000"/>
+            </a:xfrm>
+            <a:prstGeom prst="ellipse">
+              <a:avLst/>
+            </a:prstGeom>
+            <a:solidFill>
+              <a:srgbClr val="F8AEAE"/>
+            </a:solidFill>
+            <a:ln>
+              <a:noFill/>
+            </a:ln>
+          </p:spPr>
+          <p:style>
+            <a:lnRef idx="2">
+              <a:schemeClr val="accent1">
+                <a:shade val="50000"/>
+              </a:schemeClr>
+            </a:lnRef>
+            <a:fillRef idx="1">
+              <a:schemeClr val="accent1"/>
+            </a:fillRef>
+            <a:effectRef idx="0">
+              <a:schemeClr val="accent1"/>
+            </a:effectRef>
+            <a:fontRef idx="minor">
+              <a:schemeClr val="lt1"/>
+            </a:fontRef>
+          </p:style>
+          <p:txBody>
+            <a:bodyPr rtlCol="0" anchor="ctr"/>
+            <a:lstStyle/>
+            <a:p>
+              <a:pPr algn="ctr"/>
+              <a:r>
+                <a:rPr lang="ko-KR" altLang="en-US" sz="3500" dirty="0">
+                  <a:latin typeface="12롯데마트드림Bold" panose="02020603020101020101" pitchFamily="18" charset="-127"/>
+                  <a:ea typeface="12롯데마트드림Bold" panose="02020603020101020101" pitchFamily="18" charset="-127"/>
+                </a:rPr>
+                <a:t>주의</a:t>
+              </a:r>
+            </a:p>
+          </p:txBody>
+        </p:sp>
+        <p:sp>
+          <p:nvSpPr>
+            <p:cNvPr id="16" name="타원 15">
+              <a:extLst>
+                <a:ext uri="{FF2B5EF4-FFF2-40B4-BE49-F238E27FC236}">
+                  <a16:creationId xmlns:a16="http://schemas.microsoft.com/office/drawing/2014/main" id="{3023E267-4CC2-4C02-83FA-D4F9F33C3252}"/>
+                </a:ext>
+              </a:extLst>
+            </p:cNvPr>
+            <p:cNvSpPr/>
+            <p:nvPr/>
+          </p:nvSpPr>
+          <p:spPr>
+            <a:xfrm>
+              <a:off x="5244835" y="4262993"/>
+              <a:ext cx="1216457" cy="1216457"/>
+            </a:xfrm>
+            <a:prstGeom prst="ellipse">
+              <a:avLst/>
+            </a:prstGeom>
+            <a:noFill/>
+            <a:ln w="76200">
+              <a:solidFill>
+                <a:schemeClr val="bg1"/>
+              </a:solidFill>
+            </a:ln>
+          </p:spPr>
+          <p:style>
+            <a:lnRef idx="2">
+              <a:schemeClr val="accent1">
+                <a:shade val="50000"/>
+              </a:schemeClr>
+            </a:lnRef>
+            <a:fillRef idx="1">
+              <a:schemeClr val="accent1"/>
+            </a:fillRef>
+            <a:effectRef idx="0">
+              <a:schemeClr val="accent1"/>
+            </a:effectRef>
+            <a:fontRef idx="minor">
+              <a:schemeClr val="lt1"/>
+            </a:fontRef>
+          </p:style>
+          <p:txBody>
+            <a:bodyPr rtlCol="0" anchor="ctr"/>
+            <a:lstStyle/>
+            <a:p>
+              <a:pPr algn="ctr"/>
+              <a:endParaRPr lang="ko-KR" altLang="en-US" dirty="0"/>
+            </a:p>
+          </p:txBody>
+        </p:sp>
+      </p:grpSp>
+      <p:sp>
+        <p:nvSpPr>
+          <p:cNvPr id="19" name="타원 18">
+            <a:extLst>
+              <a:ext uri="{FF2B5EF4-FFF2-40B4-BE49-F238E27FC236}">
+                <a16:creationId xmlns:a16="http://schemas.microsoft.com/office/drawing/2014/main" id="{83C3CC8F-A2F9-46B2-B483-71BA251B4610}"/>
+              </a:ext>
+            </a:extLst>
+          </p:cNvPr>
+          <p:cNvSpPr/>
+          <p:nvPr/>
+        </p:nvSpPr>
+        <p:spPr>
+          <a:xfrm>
+            <a:off x="502790" y="647114"/>
+            <a:ext cx="1440000" cy="1440000"/>
+          </a:xfrm>
+          <a:prstGeom prst="ellipse">
+            <a:avLst/>
+          </a:prstGeom>
+          <a:solidFill>
+            <a:schemeClr val="bg1"/>
+          </a:solidFill>
+          <a:ln>
+            <a:noFill/>
+          </a:ln>
+        </p:spPr>
+        <p:style>
+          <a:lnRef idx="2">
+            <a:schemeClr val="accent1">
+              <a:shade val="50000"/>
+            </a:schemeClr>
+          </a:lnRef>
+          <a:fillRef idx="1">
+            <a:schemeClr val="accent1"/>
+          </a:fillRef>
+          <a:effectRef idx="0">
+            <a:schemeClr val="accent1"/>
+          </a:effectRef>
+          <a:fontRef idx="minor">
+            <a:schemeClr val="lt1"/>
+          </a:fontRef>
+        </p:style>
+        <p:txBody>
+          <a:bodyPr rtlCol="0" anchor="ctr"/>
+          <a:lstStyle/>
+          <a:p>
+            <a:pPr algn="ctr"/>
             <a:endParaRPr lang="ko-KR" altLang="en-US" sz="8000" dirty="0">
               <a:latin typeface="12롯데마트드림Bold" panose="02020603020101020101" pitchFamily="18" charset="-127"/>
               <a:ea typeface="12롯데마트드림Bold" panose="02020603020101020101" pitchFamily="18" charset="-127"/>
